--- a/Lecture_BackgroundTasks.pptx
+++ b/Lecture_BackgroundTasks.pptx
@@ -24,6 +24,13 @@
     <p:sldId id="273" r:id="rId18"/>
     <p:sldId id="274" r:id="rId19"/>
     <p:sldId id="275" r:id="rId20"/>
+    <p:sldId id="276" r:id="rId21"/>
+    <p:sldId id="277" r:id="rId22"/>
+    <p:sldId id="278" r:id="rId23"/>
+    <p:sldId id="279" r:id="rId24"/>
+    <p:sldId id="280" r:id="rId25"/>
+    <p:sldId id="281" r:id="rId26"/>
+    <p:sldId id="282" r:id="rId27"/>
   </p:sldIdLst>
   <p:sldSz cx="12192000" cy="6858000"/>
   <p:notesSz cx="6858000" cy="9144000"/>
@@ -122,6 +129,11 @@
       </a:defRPr>
     </a:lvl9pPr>
   </p:defaultTextStyle>
+  <p:extLst>
+    <p:ext uri="{EFAFB233-063F-42B5-8137-9DF3F51BA10A}">
+      <p15:sldGuideLst xmlns:p15="http://schemas.microsoft.com/office/powerpoint/2012/main"/>
+    </p:ext>
+  </p:extLst>
 </p:presentation>
 </file>
 
@@ -256,7 +268,7 @@
           <a:p>
             <a:fld id="{A386BAED-CF18-426B-818E-6DCC7AA68905}" type="datetimeFigureOut">
               <a:rPr lang="en-CA" smtClean="0"/>
-              <a:t>2019-07-25</a:t>
+              <a:t>2019-07-30</a:t>
             </a:fld>
             <a:endParaRPr lang="en-CA"/>
           </a:p>
@@ -426,7 +438,7 @@
           <a:p>
             <a:fld id="{A386BAED-CF18-426B-818E-6DCC7AA68905}" type="datetimeFigureOut">
               <a:rPr lang="en-CA" smtClean="0"/>
-              <a:t>2019-07-25</a:t>
+              <a:t>2019-07-30</a:t>
             </a:fld>
             <a:endParaRPr lang="en-CA"/>
           </a:p>
@@ -606,7 +618,7 @@
           <a:p>
             <a:fld id="{A386BAED-CF18-426B-818E-6DCC7AA68905}" type="datetimeFigureOut">
               <a:rPr lang="en-CA" smtClean="0"/>
-              <a:t>2019-07-25</a:t>
+              <a:t>2019-07-30</a:t>
             </a:fld>
             <a:endParaRPr lang="en-CA"/>
           </a:p>
@@ -776,7 +788,7 @@
           <a:p>
             <a:fld id="{A386BAED-CF18-426B-818E-6DCC7AA68905}" type="datetimeFigureOut">
               <a:rPr lang="en-CA" smtClean="0"/>
-              <a:t>2019-07-25</a:t>
+              <a:t>2019-07-30</a:t>
             </a:fld>
             <a:endParaRPr lang="en-CA"/>
           </a:p>
@@ -1022,7 +1034,7 @@
           <a:p>
             <a:fld id="{A386BAED-CF18-426B-818E-6DCC7AA68905}" type="datetimeFigureOut">
               <a:rPr lang="en-CA" smtClean="0"/>
-              <a:t>2019-07-25</a:t>
+              <a:t>2019-07-30</a:t>
             </a:fld>
             <a:endParaRPr lang="en-CA"/>
           </a:p>
@@ -1254,7 +1266,7 @@
           <a:p>
             <a:fld id="{A386BAED-CF18-426B-818E-6DCC7AA68905}" type="datetimeFigureOut">
               <a:rPr lang="en-CA" smtClean="0"/>
-              <a:t>2019-07-25</a:t>
+              <a:t>2019-07-30</a:t>
             </a:fld>
             <a:endParaRPr lang="en-CA"/>
           </a:p>
@@ -1621,7 +1633,7 @@
           <a:p>
             <a:fld id="{A386BAED-CF18-426B-818E-6DCC7AA68905}" type="datetimeFigureOut">
               <a:rPr lang="en-CA" smtClean="0"/>
-              <a:t>2019-07-25</a:t>
+              <a:t>2019-07-30</a:t>
             </a:fld>
             <a:endParaRPr lang="en-CA"/>
           </a:p>
@@ -1739,7 +1751,7 @@
           <a:p>
             <a:fld id="{A386BAED-CF18-426B-818E-6DCC7AA68905}" type="datetimeFigureOut">
               <a:rPr lang="en-CA" smtClean="0"/>
-              <a:t>2019-07-25</a:t>
+              <a:t>2019-07-30</a:t>
             </a:fld>
             <a:endParaRPr lang="en-CA"/>
           </a:p>
@@ -1834,7 +1846,7 @@
           <a:p>
             <a:fld id="{A386BAED-CF18-426B-818E-6DCC7AA68905}" type="datetimeFigureOut">
               <a:rPr lang="en-CA" smtClean="0"/>
-              <a:t>2019-07-25</a:t>
+              <a:t>2019-07-30</a:t>
             </a:fld>
             <a:endParaRPr lang="en-CA"/>
           </a:p>
@@ -2111,7 +2123,7 @@
           <a:p>
             <a:fld id="{A386BAED-CF18-426B-818E-6DCC7AA68905}" type="datetimeFigureOut">
               <a:rPr lang="en-CA" smtClean="0"/>
-              <a:t>2019-07-25</a:t>
+              <a:t>2019-07-30</a:t>
             </a:fld>
             <a:endParaRPr lang="en-CA"/>
           </a:p>
@@ -2364,7 +2376,7 @@
           <a:p>
             <a:fld id="{A386BAED-CF18-426B-818E-6DCC7AA68905}" type="datetimeFigureOut">
               <a:rPr lang="en-CA" smtClean="0"/>
-              <a:t>2019-07-25</a:t>
+              <a:t>2019-07-30</a:t>
             </a:fld>
             <a:endParaRPr lang="en-CA"/>
           </a:p>
@@ -2577,7 +2589,7 @@
           <a:p>
             <a:fld id="{A386BAED-CF18-426B-818E-6DCC7AA68905}" type="datetimeFigureOut">
               <a:rPr lang="en-CA" smtClean="0"/>
-              <a:t>2019-07-25</a:t>
+              <a:t>2019-07-30</a:t>
             </a:fld>
             <a:endParaRPr lang="en-CA"/>
           </a:p>
@@ -4969,6 +4981,28 @@
               </a:rPr>
               <a:t>https://developer.android.com/shareables/training/ThreadSample.zip</a:t>
             </a:r>
+            <a:endParaRPr lang="en-CA" dirty="0" smtClean="0"/>
+          </a:p>
+          <a:p>
+            <a:endParaRPr lang="en-CA" dirty="0"/>
+          </a:p>
+          <a:p>
+            <a:r>
+              <a:rPr lang="en-CA" dirty="0" smtClean="0"/>
+              <a:t>Creating an </a:t>
+            </a:r>
+            <a:r>
+              <a:rPr lang="en-CA" dirty="0" err="1" smtClean="0"/>
+              <a:t>unkillable</a:t>
+            </a:r>
+            <a:r>
+              <a:rPr lang="en-CA" dirty="0" smtClean="0"/>
+              <a:t> service? (</a:t>
+            </a:r>
+            <a:r>
+              <a:rPr lang="en-CA" smtClean="0"/>
+              <a:t>to annoy users)</a:t>
+            </a:r>
             <a:endParaRPr lang="en-CA" dirty="0"/>
           </a:p>
         </p:txBody>
@@ -5139,6 +5173,1553 @@
       </p:par>
     </p:tnLst>
   </p:timing>
+</p:sld>
+</file>
+
+<file path=ppt/slides/slide20.xml><?xml version="1.0" encoding="utf-8"?>
+<p:sld xmlns:a="http://schemas.openxmlformats.org/drawingml/2006/main" xmlns:r="http://schemas.openxmlformats.org/officeDocument/2006/relationships" xmlns:p="http://schemas.openxmlformats.org/presentationml/2006/main">
+  <p:cSld>
+    <p:spTree>
+      <p:nvGrpSpPr>
+        <p:cNvPr id="1" name=""/>
+        <p:cNvGrpSpPr/>
+        <p:nvPr/>
+      </p:nvGrpSpPr>
+      <p:grpSpPr>
+        <a:xfrm>
+          <a:off x="0" y="0"/>
+          <a:ext cx="0" cy="0"/>
+          <a:chOff x="0" y="0"/>
+          <a:chExt cx="0" cy="0"/>
+        </a:xfrm>
+      </p:grpSpPr>
+      <p:sp>
+        <p:nvSpPr>
+          <p:cNvPr id="2" name="Title 1"/>
+          <p:cNvSpPr>
+            <a:spLocks noGrp="1"/>
+          </p:cNvSpPr>
+          <p:nvPr>
+            <p:ph type="title"/>
+          </p:nvPr>
+        </p:nvSpPr>
+        <p:spPr/>
+        <p:txBody>
+          <a:bodyPr/>
+          <a:lstStyle/>
+          <a:p>
+            <a:r>
+              <a:rPr lang="en-CA" dirty="0" smtClean="0"/>
+              <a:t>Background optimizations</a:t>
+            </a:r>
+            <a:endParaRPr lang="en-CA" dirty="0"/>
+          </a:p>
+        </p:txBody>
+      </p:sp>
+      <p:sp>
+        <p:nvSpPr>
+          <p:cNvPr id="3" name="Content Placeholder 2"/>
+          <p:cNvSpPr>
+            <a:spLocks noGrp="1"/>
+          </p:cNvSpPr>
+          <p:nvPr>
+            <p:ph idx="1"/>
+          </p:nvPr>
+        </p:nvSpPr>
+        <p:spPr/>
+        <p:txBody>
+          <a:bodyPr>
+            <a:normAutofit fontScale="92500" lnSpcReduction="20000"/>
+          </a:bodyPr>
+          <a:lstStyle/>
+          <a:p>
+            <a:r>
+              <a:rPr lang="en-CA" dirty="0" smtClean="0"/>
+              <a:t>Background processes can be memory and battery intensive, example: implicit broadcast may start multiple background processes registered as to listen for it, even if they don’t do much work. This can substantially affect device performance and user experience</a:t>
+            </a:r>
+          </a:p>
+          <a:p>
+            <a:r>
+              <a:rPr lang="en-CA" dirty="0" smtClean="0"/>
+              <a:t>To alleviate this, Android 7.0  applies the following restrictions:</a:t>
+            </a:r>
+          </a:p>
+          <a:p>
+            <a:pPr lvl="1"/>
+            <a:r>
+              <a:rPr lang="en-CA" dirty="0" smtClean="0"/>
+              <a:t>Apps do not receive CONNECTIVITY_ACTION broadcasts if they declare their broadcast receiver in the manifest, instead, they will receive CONNECTIVITY_ACTION broadcasts if they register their </a:t>
+            </a:r>
+            <a:r>
+              <a:rPr lang="en-CA" dirty="0" err="1" smtClean="0"/>
+              <a:t>BroadcastReceiver</a:t>
+            </a:r>
+            <a:r>
+              <a:rPr lang="en-CA" dirty="0" smtClean="0"/>
+              <a:t> with </a:t>
+            </a:r>
+            <a:r>
+              <a:rPr lang="en-CA" dirty="0" err="1" smtClean="0"/>
+              <a:t>Context.RegisterReceiver</a:t>
+            </a:r>
+            <a:r>
+              <a:rPr lang="en-CA" dirty="0" smtClean="0"/>
+              <a:t>() and the context is still valid</a:t>
+            </a:r>
+          </a:p>
+          <a:p>
+            <a:pPr lvl="1"/>
+            <a:r>
+              <a:rPr lang="en-CA" dirty="0" smtClean="0"/>
+              <a:t>Apps cannot send or receive ACTION_NEW_PICTURE or ACTION_NEW_VIDEO broadcasts</a:t>
+            </a:r>
+          </a:p>
+          <a:p>
+            <a:r>
+              <a:rPr lang="en-CA" dirty="0" smtClean="0"/>
+              <a:t>Instead of using these implicit broadcasts, </a:t>
+            </a:r>
+            <a:r>
+              <a:rPr lang="en-CA" dirty="0" err="1" smtClean="0"/>
+              <a:t>JobScheduler</a:t>
+            </a:r>
+            <a:r>
+              <a:rPr lang="en-CA" dirty="0" smtClean="0"/>
+              <a:t> and </a:t>
+            </a:r>
+            <a:r>
+              <a:rPr lang="en-CA" dirty="0" err="1" smtClean="0"/>
+              <a:t>WorkManager</a:t>
+            </a:r>
+            <a:r>
+              <a:rPr lang="en-CA" dirty="0" smtClean="0"/>
+              <a:t> provide robust mechanisms to schedule network operations when specific conditions, such as connection to an unmetered network are met.</a:t>
+            </a:r>
+            <a:endParaRPr lang="en-CA" dirty="0"/>
+          </a:p>
+        </p:txBody>
+      </p:sp>
+      <p:sp>
+        <p:nvSpPr>
+          <p:cNvPr id="4" name="TextBox 3"/>
+          <p:cNvSpPr txBox="1"/>
+          <p:nvPr/>
+        </p:nvSpPr>
+        <p:spPr>
+          <a:xfrm>
+            <a:off x="-1" y="6470073"/>
+            <a:ext cx="7994073" cy="369332"/>
+          </a:xfrm>
+          <a:prstGeom prst="rect">
+            <a:avLst/>
+          </a:prstGeom>
+          <a:noFill/>
+        </p:spPr>
+        <p:txBody>
+          <a:bodyPr wrap="square" rtlCol="0">
+            <a:spAutoFit/>
+          </a:bodyPr>
+          <a:lstStyle/>
+          <a:p>
+            <a:r>
+              <a:rPr lang="en-CA" dirty="0">
+                <a:hlinkClick r:id="rId2"/>
+              </a:rPr>
+              <a:t>https://developer.android.com/topic/performance/background-optimization</a:t>
+            </a:r>
+            <a:endParaRPr lang="en-CA" dirty="0"/>
+          </a:p>
+        </p:txBody>
+      </p:sp>
+    </p:spTree>
+    <p:extLst>
+      <p:ext uri="{BB962C8B-B14F-4D97-AF65-F5344CB8AC3E}">
+        <p14:creationId xmlns:p14="http://schemas.microsoft.com/office/powerpoint/2010/main" val="590120864"/>
+      </p:ext>
+    </p:extLst>
+  </p:cSld>
+  <p:clrMapOvr>
+    <a:masterClrMapping/>
+  </p:clrMapOvr>
+</p:sld>
+</file>
+
+<file path=ppt/slides/slide21.xml><?xml version="1.0" encoding="utf-8"?>
+<p:sld xmlns:a="http://schemas.openxmlformats.org/drawingml/2006/main" xmlns:r="http://schemas.openxmlformats.org/officeDocument/2006/relationships" xmlns:p="http://schemas.openxmlformats.org/presentationml/2006/main">
+  <p:cSld>
+    <p:spTree>
+      <p:nvGrpSpPr>
+        <p:cNvPr id="1" name=""/>
+        <p:cNvGrpSpPr/>
+        <p:nvPr/>
+      </p:nvGrpSpPr>
+      <p:grpSpPr>
+        <a:xfrm>
+          <a:off x="0" y="0"/>
+          <a:ext cx="0" cy="0"/>
+          <a:chOff x="0" y="0"/>
+          <a:chExt cx="0" cy="0"/>
+        </a:xfrm>
+      </p:grpSpPr>
+      <p:sp>
+        <p:nvSpPr>
+          <p:cNvPr id="2" name="Title 1"/>
+          <p:cNvSpPr>
+            <a:spLocks noGrp="1"/>
+          </p:cNvSpPr>
+          <p:nvPr>
+            <p:ph type="title"/>
+          </p:nvPr>
+        </p:nvSpPr>
+        <p:spPr/>
+        <p:txBody>
+          <a:bodyPr/>
+          <a:lstStyle/>
+          <a:p>
+            <a:r>
+              <a:rPr lang="en-CA" dirty="0" smtClean="0"/>
+              <a:t>User-initiated restrictions</a:t>
+            </a:r>
+            <a:endParaRPr lang="en-CA" dirty="0"/>
+          </a:p>
+        </p:txBody>
+      </p:sp>
+      <p:sp>
+        <p:nvSpPr>
+          <p:cNvPr id="3" name="Content Placeholder 2"/>
+          <p:cNvSpPr>
+            <a:spLocks noGrp="1"/>
+          </p:cNvSpPr>
+          <p:nvPr>
+            <p:ph idx="1"/>
+          </p:nvPr>
+        </p:nvSpPr>
+        <p:spPr/>
+        <p:txBody>
+          <a:bodyPr/>
+          <a:lstStyle/>
+          <a:p>
+            <a:r>
+              <a:rPr lang="en-CA" dirty="0" smtClean="0"/>
+              <a:t>Beginning in Android 9, if an app exhibits bad behaviors described in Android vitals (consuming excessive resources), the system prompts the user to restrict app’s access to system resources</a:t>
+            </a:r>
+          </a:p>
+          <a:p>
+            <a:r>
+              <a:rPr lang="en-CA" dirty="0" smtClean="0"/>
+              <a:t>Some bad behaviors include:</a:t>
+            </a:r>
+          </a:p>
+          <a:p>
+            <a:pPr lvl="1"/>
+            <a:r>
+              <a:rPr lang="en-CA" dirty="0" smtClean="0"/>
+              <a:t>Excessive wake locks – 1 partial wake lock held for an hour when screen is off</a:t>
+            </a:r>
+          </a:p>
+          <a:p>
+            <a:pPr lvl="1"/>
+            <a:r>
+              <a:rPr lang="en-CA" dirty="0" smtClean="0"/>
+              <a:t>Excessive background services </a:t>
+            </a:r>
+          </a:p>
+          <a:p>
+            <a:r>
+              <a:rPr lang="en-CA" dirty="0" smtClean="0"/>
+              <a:t>Restrictions depend on the device, example: AOSP builds cannot run jobs, trigger alarms, or use the network except when app is in foreground</a:t>
+            </a:r>
+          </a:p>
+          <a:p>
+            <a:endParaRPr lang="en-CA" dirty="0" smtClean="0"/>
+          </a:p>
+        </p:txBody>
+      </p:sp>
+      <p:sp>
+        <p:nvSpPr>
+          <p:cNvPr id="4" name="TextBox 3"/>
+          <p:cNvSpPr txBox="1"/>
+          <p:nvPr/>
+        </p:nvSpPr>
+        <p:spPr>
+          <a:xfrm>
+            <a:off x="-1" y="6470073"/>
+            <a:ext cx="7994073" cy="369332"/>
+          </a:xfrm>
+          <a:prstGeom prst="rect">
+            <a:avLst/>
+          </a:prstGeom>
+          <a:noFill/>
+        </p:spPr>
+        <p:txBody>
+          <a:bodyPr wrap="square" rtlCol="0">
+            <a:spAutoFit/>
+          </a:bodyPr>
+          <a:lstStyle/>
+          <a:p>
+            <a:r>
+              <a:rPr lang="en-CA" dirty="0">
+                <a:hlinkClick r:id="rId2"/>
+              </a:rPr>
+              <a:t>https://developer.android.com/topic/performance/background-optimization</a:t>
+            </a:r>
+            <a:endParaRPr lang="en-CA" dirty="0"/>
+          </a:p>
+        </p:txBody>
+      </p:sp>
+    </p:spTree>
+    <p:extLst>
+      <p:ext uri="{BB962C8B-B14F-4D97-AF65-F5344CB8AC3E}">
+        <p14:creationId xmlns:p14="http://schemas.microsoft.com/office/powerpoint/2010/main" val="33526963"/>
+      </p:ext>
+    </p:extLst>
+  </p:cSld>
+  <p:clrMapOvr>
+    <a:masterClrMapping/>
+  </p:clrMapOvr>
+</p:sld>
+</file>
+
+<file path=ppt/slides/slide22.xml><?xml version="1.0" encoding="utf-8"?>
+<p:sld xmlns:a="http://schemas.openxmlformats.org/drawingml/2006/main" xmlns:r="http://schemas.openxmlformats.org/officeDocument/2006/relationships" xmlns:p="http://schemas.openxmlformats.org/presentationml/2006/main">
+  <p:cSld>
+    <p:spTree>
+      <p:nvGrpSpPr>
+        <p:cNvPr id="1" name=""/>
+        <p:cNvGrpSpPr/>
+        <p:nvPr/>
+      </p:nvGrpSpPr>
+      <p:grpSpPr>
+        <a:xfrm>
+          <a:off x="0" y="0"/>
+          <a:ext cx="0" cy="0"/>
+          <a:chOff x="0" y="0"/>
+          <a:chExt cx="0" cy="0"/>
+        </a:xfrm>
+      </p:grpSpPr>
+      <p:sp>
+        <p:nvSpPr>
+          <p:cNvPr id="2" name="Title 1"/>
+          <p:cNvSpPr>
+            <a:spLocks noGrp="1"/>
+          </p:cNvSpPr>
+          <p:nvPr>
+            <p:ph type="title"/>
+          </p:nvPr>
+        </p:nvSpPr>
+        <p:spPr/>
+        <p:txBody>
+          <a:bodyPr/>
+          <a:lstStyle/>
+          <a:p>
+            <a:r>
+              <a:rPr lang="en-CA" dirty="0" smtClean="0"/>
+              <a:t>Restrictions on receiving network broadcasts</a:t>
+            </a:r>
+            <a:endParaRPr lang="en-CA" dirty="0"/>
+          </a:p>
+        </p:txBody>
+      </p:sp>
+      <p:sp>
+        <p:nvSpPr>
+          <p:cNvPr id="3" name="Content Placeholder 2"/>
+          <p:cNvSpPr>
+            <a:spLocks noGrp="1"/>
+          </p:cNvSpPr>
+          <p:nvPr>
+            <p:ph idx="1"/>
+          </p:nvPr>
+        </p:nvSpPr>
+        <p:spPr>
+          <a:xfrm>
+            <a:off x="595745" y="1825625"/>
+            <a:ext cx="5694220" cy="4351338"/>
+          </a:xfrm>
+        </p:spPr>
+        <p:txBody>
+          <a:bodyPr>
+            <a:normAutofit fontScale="62500" lnSpcReduction="20000"/>
+          </a:bodyPr>
+          <a:lstStyle/>
+          <a:p>
+            <a:r>
+              <a:rPr lang="en-CA" dirty="0" smtClean="0"/>
+              <a:t>Apps targeting Android 7.0 do not receive CONNECTIVITY_ACTION broadcasts if they register to receive them in their manifest, and processes that depend on this broadcast will not start.</a:t>
+            </a:r>
+          </a:p>
+          <a:p>
+            <a:r>
+              <a:rPr lang="en-CA" dirty="0" smtClean="0"/>
+              <a:t>This is a problem for apps that want to listen for network changes or perform bulk network activity when device connects to an unmetered network. </a:t>
+            </a:r>
+          </a:p>
+          <a:p>
+            <a:r>
+              <a:rPr lang="en-CA" dirty="0" smtClean="0"/>
+              <a:t>To get around this, schedule network jobs on unmetered connections:</a:t>
+            </a:r>
+          </a:p>
+          <a:p>
+            <a:r>
+              <a:rPr lang="en-CA" dirty="0" smtClean="0"/>
+              <a:t>Build </a:t>
+            </a:r>
+            <a:r>
+              <a:rPr lang="en-CA" dirty="0" err="1" smtClean="0"/>
+              <a:t>JobInfo</a:t>
+            </a:r>
+            <a:r>
+              <a:rPr lang="en-CA" dirty="0" smtClean="0"/>
+              <a:t> object using </a:t>
+            </a:r>
+            <a:r>
+              <a:rPr lang="en-CA" dirty="0" err="1" smtClean="0"/>
+              <a:t>JobInfo.Builder</a:t>
+            </a:r>
+            <a:r>
+              <a:rPr lang="en-CA" dirty="0" smtClean="0"/>
+              <a:t>, apply </a:t>
+            </a:r>
+            <a:r>
+              <a:rPr lang="en-CA" dirty="0" err="1" smtClean="0"/>
+              <a:t>setRequired</a:t>
+            </a:r>
+            <a:r>
+              <a:rPr lang="en-CA" dirty="0" smtClean="0"/>
+              <a:t> </a:t>
+            </a:r>
+            <a:r>
+              <a:rPr lang="en-CA" dirty="0" err="1" smtClean="0"/>
+              <a:t>NetworkType</a:t>
+            </a:r>
+            <a:r>
+              <a:rPr lang="en-CA" dirty="0" smtClean="0"/>
+              <a:t>() method, and pass </a:t>
+            </a:r>
+            <a:r>
+              <a:rPr lang="en-CA" dirty="0" err="1" smtClean="0"/>
+              <a:t>JobInfo.NETWORK_TYPE_UNMETERED</a:t>
+            </a:r>
+            <a:r>
+              <a:rPr lang="en-CA" dirty="0" smtClean="0"/>
+              <a:t> as a parameter. </a:t>
+            </a:r>
+          </a:p>
+          <a:p>
+            <a:r>
+              <a:rPr lang="en-CA" dirty="0" smtClean="0"/>
+              <a:t>When the conditions for the job are met, the app receives a callback to run the </a:t>
+            </a:r>
+            <a:r>
+              <a:rPr lang="en-CA" dirty="0" err="1" smtClean="0"/>
+              <a:t>onStartJob</a:t>
+            </a:r>
+            <a:r>
+              <a:rPr lang="en-CA" dirty="0" smtClean="0"/>
+              <a:t>() method in the specified </a:t>
+            </a:r>
+            <a:r>
+              <a:rPr lang="en-CA" dirty="0" err="1" smtClean="0"/>
+              <a:t>JobService.class</a:t>
+            </a:r>
+            <a:r>
+              <a:rPr lang="en-CA" dirty="0" smtClean="0"/>
+              <a:t> </a:t>
+            </a:r>
+          </a:p>
+          <a:p>
+            <a:r>
+              <a:rPr lang="en-CA" dirty="0" smtClean="0"/>
+              <a:t>An alternative to </a:t>
+            </a:r>
+            <a:r>
+              <a:rPr lang="en-CA" dirty="0" err="1" smtClean="0"/>
+              <a:t>JobScheduler</a:t>
+            </a:r>
+            <a:r>
+              <a:rPr lang="en-CA" dirty="0" smtClean="0"/>
+              <a:t> is </a:t>
+            </a:r>
+            <a:r>
+              <a:rPr lang="en-CA" dirty="0" err="1" smtClean="0"/>
+              <a:t>WorkManager</a:t>
+            </a:r>
+            <a:r>
+              <a:rPr lang="en-CA" dirty="0" smtClean="0"/>
+              <a:t>, an API that allows you to schedule background tasks that need guaranteed completion</a:t>
+            </a:r>
+            <a:endParaRPr lang="en-CA" dirty="0"/>
+          </a:p>
+        </p:txBody>
+      </p:sp>
+      <p:sp>
+        <p:nvSpPr>
+          <p:cNvPr id="4" name="TextBox 3"/>
+          <p:cNvSpPr txBox="1"/>
+          <p:nvPr/>
+        </p:nvSpPr>
+        <p:spPr>
+          <a:xfrm>
+            <a:off x="-1" y="6470073"/>
+            <a:ext cx="7994073" cy="369332"/>
+          </a:xfrm>
+          <a:prstGeom prst="rect">
+            <a:avLst/>
+          </a:prstGeom>
+          <a:noFill/>
+        </p:spPr>
+        <p:txBody>
+          <a:bodyPr wrap="square" rtlCol="0">
+            <a:spAutoFit/>
+          </a:bodyPr>
+          <a:lstStyle/>
+          <a:p>
+            <a:r>
+              <a:rPr lang="en-CA" dirty="0">
+                <a:hlinkClick r:id="rId2"/>
+              </a:rPr>
+              <a:t>https://developer.android.com/topic/performance/background-optimization</a:t>
+            </a:r>
+            <a:endParaRPr lang="en-CA" dirty="0"/>
+          </a:p>
+        </p:txBody>
+      </p:sp>
+      <p:pic>
+        <p:nvPicPr>
+          <p:cNvPr id="5" name="Picture 4"/>
+          <p:cNvPicPr>
+            <a:picLocks noChangeAspect="1"/>
+          </p:cNvPicPr>
+          <p:nvPr/>
+        </p:nvPicPr>
+        <p:blipFill>
+          <a:blip r:embed="rId3"/>
+          <a:stretch>
+            <a:fillRect/>
+          </a:stretch>
+        </p:blipFill>
+        <p:spPr>
+          <a:xfrm>
+            <a:off x="6400800" y="2419208"/>
+            <a:ext cx="5791200" cy="2324100"/>
+          </a:xfrm>
+          <a:prstGeom prst="rect">
+            <a:avLst/>
+          </a:prstGeom>
+        </p:spPr>
+      </p:pic>
+      <p:sp>
+        <p:nvSpPr>
+          <p:cNvPr id="6" name="TextBox 5"/>
+          <p:cNvSpPr txBox="1"/>
+          <p:nvPr/>
+        </p:nvSpPr>
+        <p:spPr>
+          <a:xfrm>
+            <a:off x="6553200" y="4713252"/>
+            <a:ext cx="5638800" cy="646331"/>
+          </a:xfrm>
+          <a:prstGeom prst="rect">
+            <a:avLst/>
+          </a:prstGeom>
+          <a:noFill/>
+        </p:spPr>
+        <p:txBody>
+          <a:bodyPr wrap="square" rtlCol="0">
+            <a:spAutoFit/>
+          </a:bodyPr>
+          <a:lstStyle/>
+          <a:p>
+            <a:r>
+              <a:rPr lang="en-CA" dirty="0" smtClean="0"/>
+              <a:t>Example: schedule a service to run when the device connects to an unmetered connection and is charging</a:t>
+            </a:r>
+            <a:endParaRPr lang="en-CA" dirty="0"/>
+          </a:p>
+        </p:txBody>
+      </p:sp>
+    </p:spTree>
+    <p:extLst>
+      <p:ext uri="{BB962C8B-B14F-4D97-AF65-F5344CB8AC3E}">
+        <p14:creationId xmlns:p14="http://schemas.microsoft.com/office/powerpoint/2010/main" val="2438081608"/>
+      </p:ext>
+    </p:extLst>
+  </p:cSld>
+  <p:clrMapOvr>
+    <a:masterClrMapping/>
+  </p:clrMapOvr>
+</p:sld>
+</file>
+
+<file path=ppt/slides/slide23.xml><?xml version="1.0" encoding="utf-8"?>
+<p:sld xmlns:a="http://schemas.openxmlformats.org/drawingml/2006/main" xmlns:r="http://schemas.openxmlformats.org/officeDocument/2006/relationships" xmlns:p="http://schemas.openxmlformats.org/presentationml/2006/main">
+  <p:cSld>
+    <p:spTree>
+      <p:nvGrpSpPr>
+        <p:cNvPr id="1" name=""/>
+        <p:cNvGrpSpPr/>
+        <p:nvPr/>
+      </p:nvGrpSpPr>
+      <p:grpSpPr>
+        <a:xfrm>
+          <a:off x="0" y="0"/>
+          <a:ext cx="0" cy="0"/>
+          <a:chOff x="0" y="0"/>
+          <a:chExt cx="0" cy="0"/>
+        </a:xfrm>
+      </p:grpSpPr>
+      <p:sp>
+        <p:nvSpPr>
+          <p:cNvPr id="2" name="Title 1"/>
+          <p:cNvSpPr>
+            <a:spLocks noGrp="1"/>
+          </p:cNvSpPr>
+          <p:nvPr>
+            <p:ph type="title"/>
+          </p:nvPr>
+        </p:nvSpPr>
+        <p:spPr>
+          <a:xfrm>
+            <a:off x="838200" y="365125"/>
+            <a:ext cx="11090564" cy="1325563"/>
+          </a:xfrm>
+        </p:spPr>
+        <p:txBody>
+          <a:bodyPr/>
+          <a:lstStyle/>
+          <a:p>
+            <a:r>
+              <a:rPr lang="en-CA" dirty="0" smtClean="0"/>
+              <a:t>Monitor network activity while ap</a:t>
+            </a:r>
+            <a:r>
+              <a:rPr lang="en-CA" dirty="0" smtClean="0"/>
+              <a:t>p is running</a:t>
+            </a:r>
+            <a:endParaRPr lang="en-CA" dirty="0"/>
+          </a:p>
+        </p:txBody>
+      </p:sp>
+      <p:sp>
+        <p:nvSpPr>
+          <p:cNvPr id="3" name="Content Placeholder 2"/>
+          <p:cNvSpPr>
+            <a:spLocks noGrp="1"/>
+          </p:cNvSpPr>
+          <p:nvPr>
+            <p:ph idx="1"/>
+          </p:nvPr>
+        </p:nvSpPr>
+        <p:spPr/>
+        <p:txBody>
+          <a:bodyPr>
+            <a:normAutofit fontScale="85000" lnSpcReduction="10000"/>
+          </a:bodyPr>
+          <a:lstStyle/>
+          <a:p>
+            <a:r>
+              <a:rPr lang="en-CA" dirty="0" smtClean="0"/>
+              <a:t>Running apps can still listen for a CONNECTIVITY_CHANGE with a registered </a:t>
+            </a:r>
+            <a:r>
+              <a:rPr lang="en-CA" dirty="0" err="1" smtClean="0"/>
+              <a:t>BroadcastReceiver</a:t>
+            </a:r>
+            <a:r>
+              <a:rPr lang="en-CA" dirty="0" smtClean="0"/>
+              <a:t>, but the </a:t>
+            </a:r>
+            <a:r>
+              <a:rPr lang="en-CA" dirty="0" err="1" smtClean="0"/>
+              <a:t>ConnectivityManager</a:t>
+            </a:r>
+            <a:r>
+              <a:rPr lang="en-CA" dirty="0" smtClean="0"/>
+              <a:t> API provides a more direct method to request a callback only when specified network conditions are met.</a:t>
+            </a:r>
+          </a:p>
+          <a:p>
+            <a:r>
+              <a:rPr lang="en-CA" dirty="0" err="1" smtClean="0"/>
+              <a:t>NetworkRequest</a:t>
+            </a:r>
+            <a:r>
+              <a:rPr lang="en-CA" dirty="0" smtClean="0"/>
+              <a:t> objects define the parameters of the network callback in terms of </a:t>
+            </a:r>
+            <a:r>
+              <a:rPr lang="en-CA" dirty="0" err="1" smtClean="0"/>
+              <a:t>NetworkCapabilities</a:t>
+            </a:r>
+            <a:r>
+              <a:rPr lang="en-CA" dirty="0" smtClean="0"/>
+              <a:t>.</a:t>
+            </a:r>
+          </a:p>
+          <a:p>
+            <a:r>
+              <a:rPr lang="en-CA" dirty="0" smtClean="0"/>
+              <a:t>Create the </a:t>
+            </a:r>
+            <a:r>
+              <a:rPr lang="en-CA" dirty="0" err="1" smtClean="0"/>
+              <a:t>NetworkRequest</a:t>
+            </a:r>
+            <a:r>
+              <a:rPr lang="en-CA" dirty="0" smtClean="0"/>
+              <a:t> objects with the </a:t>
+            </a:r>
+            <a:r>
+              <a:rPr lang="en-CA" dirty="0" err="1" smtClean="0"/>
+              <a:t>NetworkRequest.builder</a:t>
+            </a:r>
+            <a:r>
+              <a:rPr lang="en-CA" dirty="0" smtClean="0"/>
+              <a:t> class</a:t>
+            </a:r>
+            <a:r>
+              <a:rPr lang="en-CA" dirty="0" smtClean="0"/>
+              <a:t>. </a:t>
+            </a:r>
+            <a:r>
+              <a:rPr lang="en-CA" dirty="0" err="1" smtClean="0"/>
+              <a:t>registerNetworkCallback</a:t>
+            </a:r>
+            <a:r>
+              <a:rPr lang="en-CA" dirty="0" smtClean="0"/>
+              <a:t>() then passes </a:t>
+            </a:r>
+            <a:r>
+              <a:rPr lang="en-CA" dirty="0" err="1" smtClean="0"/>
+              <a:t>NetworkRequestObject</a:t>
+            </a:r>
+            <a:r>
+              <a:rPr lang="en-CA" dirty="0" smtClean="0"/>
+              <a:t> to the system.</a:t>
+            </a:r>
+          </a:p>
+          <a:p>
+            <a:r>
+              <a:rPr lang="en-CA" dirty="0" smtClean="0"/>
+              <a:t>When the network conditions are met, the app receives a callback to execute </a:t>
+            </a:r>
+            <a:r>
+              <a:rPr lang="en-CA" dirty="0" err="1" smtClean="0"/>
+              <a:t>onAvailable</a:t>
+            </a:r>
+            <a:r>
+              <a:rPr lang="en-CA" dirty="0" smtClean="0"/>
+              <a:t>() method defined in </a:t>
+            </a:r>
+            <a:r>
+              <a:rPr lang="en-CA" dirty="0" err="1" smtClean="0"/>
+              <a:t>ConnectivityManager.NetworkCallback</a:t>
+            </a:r>
+            <a:r>
+              <a:rPr lang="en-CA" dirty="0" smtClean="0"/>
+              <a:t> class</a:t>
+            </a:r>
+          </a:p>
+          <a:p>
+            <a:r>
+              <a:rPr lang="en-CA" dirty="0" smtClean="0"/>
+              <a:t>The app continues to receive </a:t>
+            </a:r>
+            <a:r>
+              <a:rPr lang="en-CA" dirty="0" err="1" smtClean="0"/>
+              <a:t>callbacks</a:t>
+            </a:r>
+            <a:r>
+              <a:rPr lang="en-CA" dirty="0" smtClean="0"/>
+              <a:t> until it exits or calls </a:t>
+            </a:r>
+            <a:r>
+              <a:rPr lang="en-CA" dirty="0" err="1" smtClean="0"/>
+              <a:t>unregisterNetworkCallback</a:t>
+            </a:r>
+            <a:endParaRPr lang="en-CA" dirty="0" smtClean="0"/>
+          </a:p>
+        </p:txBody>
+      </p:sp>
+      <p:sp>
+        <p:nvSpPr>
+          <p:cNvPr id="4" name="TextBox 3"/>
+          <p:cNvSpPr txBox="1"/>
+          <p:nvPr/>
+        </p:nvSpPr>
+        <p:spPr>
+          <a:xfrm>
+            <a:off x="-1" y="6470073"/>
+            <a:ext cx="7994073" cy="369332"/>
+          </a:xfrm>
+          <a:prstGeom prst="rect">
+            <a:avLst/>
+          </a:prstGeom>
+          <a:noFill/>
+        </p:spPr>
+        <p:txBody>
+          <a:bodyPr wrap="square" rtlCol="0">
+            <a:spAutoFit/>
+          </a:bodyPr>
+          <a:lstStyle/>
+          <a:p>
+            <a:r>
+              <a:rPr lang="en-CA" dirty="0">
+                <a:hlinkClick r:id="rId2"/>
+              </a:rPr>
+              <a:t>https://developer.android.com/topic/performance/background-optimization</a:t>
+            </a:r>
+            <a:endParaRPr lang="en-CA" dirty="0"/>
+          </a:p>
+        </p:txBody>
+      </p:sp>
+    </p:spTree>
+    <p:extLst>
+      <p:ext uri="{BB962C8B-B14F-4D97-AF65-F5344CB8AC3E}">
+        <p14:creationId xmlns:p14="http://schemas.microsoft.com/office/powerpoint/2010/main" val="1350459455"/>
+      </p:ext>
+    </p:extLst>
+  </p:cSld>
+  <p:clrMapOvr>
+    <a:masterClrMapping/>
+  </p:clrMapOvr>
+</p:sld>
+</file>
+
+<file path=ppt/slides/slide24.xml><?xml version="1.0" encoding="utf-8"?>
+<p:sld xmlns:a="http://schemas.openxmlformats.org/drawingml/2006/main" xmlns:r="http://schemas.openxmlformats.org/officeDocument/2006/relationships" xmlns:p="http://schemas.openxmlformats.org/presentationml/2006/main">
+  <p:cSld>
+    <p:spTree>
+      <p:nvGrpSpPr>
+        <p:cNvPr id="1" name=""/>
+        <p:cNvGrpSpPr/>
+        <p:nvPr/>
+      </p:nvGrpSpPr>
+      <p:grpSpPr>
+        <a:xfrm>
+          <a:off x="0" y="0"/>
+          <a:ext cx="0" cy="0"/>
+          <a:chOff x="0" y="0"/>
+          <a:chExt cx="0" cy="0"/>
+        </a:xfrm>
+      </p:grpSpPr>
+      <p:sp>
+        <p:nvSpPr>
+          <p:cNvPr id="2" name="Title 1"/>
+          <p:cNvSpPr>
+            <a:spLocks noGrp="1"/>
+          </p:cNvSpPr>
+          <p:nvPr>
+            <p:ph type="title"/>
+          </p:nvPr>
+        </p:nvSpPr>
+        <p:spPr>
+          <a:xfrm>
+            <a:off x="838199" y="365125"/>
+            <a:ext cx="11187545" cy="1325563"/>
+          </a:xfrm>
+        </p:spPr>
+        <p:txBody>
+          <a:bodyPr/>
+          <a:lstStyle/>
+          <a:p>
+            <a:r>
+              <a:rPr lang="en-CA" dirty="0" smtClean="0"/>
+              <a:t>Restrictions on receiving image/video broadcasts</a:t>
+            </a:r>
+            <a:endParaRPr lang="en-CA" dirty="0"/>
+          </a:p>
+        </p:txBody>
+      </p:sp>
+      <p:sp>
+        <p:nvSpPr>
+          <p:cNvPr id="3" name="Content Placeholder 2"/>
+          <p:cNvSpPr>
+            <a:spLocks noGrp="1"/>
+          </p:cNvSpPr>
+          <p:nvPr>
+            <p:ph idx="1"/>
+          </p:nvPr>
+        </p:nvSpPr>
+        <p:spPr>
+          <a:xfrm>
+            <a:off x="561109" y="1593273"/>
+            <a:ext cx="5325341" cy="4876800"/>
+          </a:xfrm>
+        </p:spPr>
+        <p:txBody>
+          <a:bodyPr>
+            <a:normAutofit fontScale="77500" lnSpcReduction="20000"/>
+          </a:bodyPr>
+          <a:lstStyle/>
+          <a:p>
+            <a:r>
+              <a:rPr lang="en-CA" dirty="0" smtClean="0"/>
+              <a:t>In Android 7.0, apps are not able to send or receive ACTION_NEW_PICTURE or ACTION_NEW_VIDEO broadcasts, this restriction helps alleviate performance issues when several apps wake up simultaneously to process new image or video</a:t>
+            </a:r>
+          </a:p>
+          <a:p>
+            <a:r>
+              <a:rPr lang="en-CA" dirty="0" smtClean="0"/>
+              <a:t>Instead we use </a:t>
+            </a:r>
+            <a:r>
+              <a:rPr lang="en-CA" dirty="0" err="1" smtClean="0"/>
+              <a:t>JobInfo</a:t>
+            </a:r>
+            <a:r>
+              <a:rPr lang="en-CA" dirty="0" smtClean="0"/>
+              <a:t> and </a:t>
+            </a:r>
+            <a:r>
+              <a:rPr lang="en-CA" dirty="0" err="1" smtClean="0"/>
+              <a:t>JobParameters</a:t>
+            </a:r>
+            <a:r>
+              <a:rPr lang="en-CA" dirty="0" smtClean="0"/>
+              <a:t> as an alternate solution</a:t>
+            </a:r>
+          </a:p>
+          <a:p>
+            <a:r>
+              <a:rPr lang="en-CA" dirty="0" smtClean="0"/>
+              <a:t>Trigger Jobs on Content URI changes:</a:t>
+            </a:r>
+          </a:p>
+          <a:p>
+            <a:pPr lvl="1"/>
+            <a:r>
+              <a:rPr lang="en-CA" dirty="0" smtClean="0"/>
+              <a:t>To trigger jobs on content URI changes, Android 7.0 extends </a:t>
+            </a:r>
+            <a:r>
+              <a:rPr lang="en-CA" dirty="0" err="1" smtClean="0"/>
+              <a:t>JobInfo</a:t>
+            </a:r>
+            <a:r>
+              <a:rPr lang="en-CA" dirty="0" smtClean="0"/>
+              <a:t> API with following methods</a:t>
+            </a:r>
+          </a:p>
+          <a:p>
+            <a:pPr lvl="2"/>
+            <a:r>
+              <a:rPr lang="en-CA" dirty="0" err="1" smtClean="0"/>
+              <a:t>JobInfo</a:t>
+            </a:r>
+            <a:r>
+              <a:rPr lang="en-CA" dirty="0" err="1" smtClean="0"/>
+              <a:t>.TriggerContentUri</a:t>
+            </a:r>
+            <a:r>
+              <a:rPr lang="en-CA" dirty="0" smtClean="0"/>
+              <a:t>() – encapsulate parameters required to trigger a job on content URI changes</a:t>
+            </a:r>
+          </a:p>
+          <a:p>
+            <a:pPr lvl="2"/>
+            <a:r>
+              <a:rPr lang="en-CA" dirty="0" err="1" smtClean="0"/>
+              <a:t>JobInfo.Builder.addTriggerContentUri</a:t>
+            </a:r>
+            <a:r>
+              <a:rPr lang="en-CA" dirty="0" smtClean="0"/>
+              <a:t>() – passes a </a:t>
+            </a:r>
+            <a:r>
+              <a:rPr lang="en-CA" dirty="0" err="1" smtClean="0"/>
+              <a:t>TriggerContentUri</a:t>
+            </a:r>
+            <a:r>
+              <a:rPr lang="en-CA" dirty="0" smtClean="0"/>
+              <a:t> object to </a:t>
+            </a:r>
+            <a:r>
+              <a:rPr lang="en-CA" dirty="0" err="1" smtClean="0"/>
+              <a:t>JobInfo</a:t>
+            </a:r>
+            <a:r>
+              <a:rPr lang="en-CA" dirty="0" smtClean="0"/>
+              <a:t>. A </a:t>
+            </a:r>
+            <a:r>
+              <a:rPr lang="en-CA" dirty="0" err="1" smtClean="0"/>
+              <a:t>ContentObserver</a:t>
+            </a:r>
+            <a:r>
+              <a:rPr lang="en-CA" dirty="0" smtClean="0"/>
+              <a:t> monitors the encapsulated content URI.</a:t>
+            </a:r>
+            <a:endParaRPr lang="en-CA" dirty="0"/>
+          </a:p>
+        </p:txBody>
+      </p:sp>
+      <p:sp>
+        <p:nvSpPr>
+          <p:cNvPr id="4" name="TextBox 3"/>
+          <p:cNvSpPr txBox="1"/>
+          <p:nvPr/>
+        </p:nvSpPr>
+        <p:spPr>
+          <a:xfrm>
+            <a:off x="-1" y="6470073"/>
+            <a:ext cx="7994073" cy="369332"/>
+          </a:xfrm>
+          <a:prstGeom prst="rect">
+            <a:avLst/>
+          </a:prstGeom>
+          <a:noFill/>
+        </p:spPr>
+        <p:txBody>
+          <a:bodyPr wrap="square" rtlCol="0">
+            <a:spAutoFit/>
+          </a:bodyPr>
+          <a:lstStyle/>
+          <a:p>
+            <a:r>
+              <a:rPr lang="en-CA" dirty="0">
+                <a:hlinkClick r:id="rId2"/>
+              </a:rPr>
+              <a:t>https://developer.android.com/topic/performance/background-optimization</a:t>
+            </a:r>
+            <a:endParaRPr lang="en-CA" dirty="0"/>
+          </a:p>
+        </p:txBody>
+      </p:sp>
+      <p:pic>
+        <p:nvPicPr>
+          <p:cNvPr id="5" name="Picture 4"/>
+          <p:cNvPicPr>
+            <a:picLocks noChangeAspect="1"/>
+          </p:cNvPicPr>
+          <p:nvPr/>
+        </p:nvPicPr>
+        <p:blipFill>
+          <a:blip r:embed="rId3"/>
+          <a:stretch>
+            <a:fillRect/>
+          </a:stretch>
+        </p:blipFill>
+        <p:spPr>
+          <a:xfrm>
+            <a:off x="5886450" y="1904711"/>
+            <a:ext cx="6305550" cy="2276475"/>
+          </a:xfrm>
+          <a:prstGeom prst="rect">
+            <a:avLst/>
+          </a:prstGeom>
+        </p:spPr>
+      </p:pic>
+      <p:sp>
+        <p:nvSpPr>
+          <p:cNvPr id="6" name="TextBox 5"/>
+          <p:cNvSpPr txBox="1"/>
+          <p:nvPr/>
+        </p:nvSpPr>
+        <p:spPr>
+          <a:xfrm>
+            <a:off x="6608618" y="4281055"/>
+            <a:ext cx="5583382" cy="1477328"/>
+          </a:xfrm>
+          <a:prstGeom prst="rect">
+            <a:avLst/>
+          </a:prstGeom>
+          <a:noFill/>
+        </p:spPr>
+        <p:txBody>
+          <a:bodyPr wrap="square" rtlCol="0">
+            <a:spAutoFit/>
+          </a:bodyPr>
+          <a:lstStyle/>
+          <a:p>
+            <a:r>
+              <a:rPr lang="en-CA" dirty="0" smtClean="0"/>
+              <a:t>Example: schedule a job to trigger when the system reports a change to content URI ‘MEDIA_URI’. When the system reports a change in the specified content URI, the app receives a callback and </a:t>
+            </a:r>
+            <a:r>
+              <a:rPr lang="en-CA" dirty="0" err="1" smtClean="0"/>
+              <a:t>JobParameters</a:t>
+            </a:r>
+            <a:r>
+              <a:rPr lang="en-CA" dirty="0" smtClean="0"/>
+              <a:t> object is passed to </a:t>
+            </a:r>
+            <a:r>
+              <a:rPr lang="en-CA" dirty="0" err="1" smtClean="0"/>
+              <a:t>onStartJob</a:t>
+            </a:r>
+            <a:r>
+              <a:rPr lang="en-CA" dirty="0" smtClean="0"/>
+              <a:t>() method in </a:t>
+            </a:r>
+            <a:r>
+              <a:rPr lang="en-CA" dirty="0" err="1" smtClean="0"/>
+              <a:t>MediaContentJob.class</a:t>
+            </a:r>
+            <a:endParaRPr lang="en-CA" dirty="0"/>
+          </a:p>
+        </p:txBody>
+      </p:sp>
+    </p:spTree>
+    <p:extLst>
+      <p:ext uri="{BB962C8B-B14F-4D97-AF65-F5344CB8AC3E}">
+        <p14:creationId xmlns:p14="http://schemas.microsoft.com/office/powerpoint/2010/main" val="2342618556"/>
+      </p:ext>
+    </p:extLst>
+  </p:cSld>
+  <p:clrMapOvr>
+    <a:masterClrMapping/>
+  </p:clrMapOvr>
+</p:sld>
+</file>
+
+<file path=ppt/slides/slide25.xml><?xml version="1.0" encoding="utf-8"?>
+<p:sld xmlns:a="http://schemas.openxmlformats.org/drawingml/2006/main" xmlns:r="http://schemas.openxmlformats.org/officeDocument/2006/relationships" xmlns:p="http://schemas.openxmlformats.org/presentationml/2006/main">
+  <p:cSld>
+    <p:spTree>
+      <p:nvGrpSpPr>
+        <p:cNvPr id="1" name=""/>
+        <p:cNvGrpSpPr/>
+        <p:nvPr/>
+      </p:nvGrpSpPr>
+      <p:grpSpPr>
+        <a:xfrm>
+          <a:off x="0" y="0"/>
+          <a:ext cx="0" cy="0"/>
+          <a:chOff x="0" y="0"/>
+          <a:chExt cx="0" cy="0"/>
+        </a:xfrm>
+      </p:grpSpPr>
+      <p:sp>
+        <p:nvSpPr>
+          <p:cNvPr id="2" name="Title 1"/>
+          <p:cNvSpPr>
+            <a:spLocks noGrp="1"/>
+          </p:cNvSpPr>
+          <p:nvPr>
+            <p:ph type="title"/>
+          </p:nvPr>
+        </p:nvSpPr>
+        <p:spPr>
+          <a:xfrm>
+            <a:off x="235527" y="365125"/>
+            <a:ext cx="11956473" cy="1325563"/>
+          </a:xfrm>
+        </p:spPr>
+        <p:txBody>
+          <a:bodyPr/>
+          <a:lstStyle/>
+          <a:p>
+            <a:r>
+              <a:rPr lang="en-CA" dirty="0" smtClean="0"/>
+              <a:t>Determine which content authorities triggered a job</a:t>
+            </a:r>
+            <a:endParaRPr lang="en-CA" dirty="0"/>
+          </a:p>
+        </p:txBody>
+      </p:sp>
+      <p:sp>
+        <p:nvSpPr>
+          <p:cNvPr id="3" name="Content Placeholder 2"/>
+          <p:cNvSpPr>
+            <a:spLocks noGrp="1"/>
+          </p:cNvSpPr>
+          <p:nvPr>
+            <p:ph idx="1"/>
+          </p:nvPr>
+        </p:nvSpPr>
+        <p:spPr>
+          <a:xfrm>
+            <a:off x="838200" y="1825625"/>
+            <a:ext cx="6310745" cy="4351338"/>
+          </a:xfrm>
+        </p:spPr>
+        <p:txBody>
+          <a:bodyPr>
+            <a:normAutofit lnSpcReduction="10000"/>
+          </a:bodyPr>
+          <a:lstStyle/>
+          <a:p>
+            <a:r>
+              <a:rPr lang="en-CA" dirty="0" err="1" smtClean="0"/>
+              <a:t>JobParameters</a:t>
+            </a:r>
+            <a:r>
+              <a:rPr lang="en-CA" dirty="0" smtClean="0"/>
+              <a:t> allows your app to receive useful information about what content authorities and URIs triggered the job:</a:t>
+            </a:r>
+          </a:p>
+          <a:p>
+            <a:pPr lvl="1"/>
+            <a:r>
+              <a:rPr lang="en-CA" dirty="0" smtClean="0"/>
+              <a:t>Uri[] </a:t>
+            </a:r>
+            <a:r>
+              <a:rPr lang="en-CA" dirty="0" err="1" smtClean="0"/>
+              <a:t>getTriggeredContentUris</a:t>
+            </a:r>
+            <a:r>
+              <a:rPr lang="en-CA" dirty="0" smtClean="0"/>
+              <a:t>() – return an array of URIs that have triggered the job, will be null if no URIs have triggered the job (this occurs if job was triggered due to deadline or some other reason)</a:t>
+            </a:r>
+          </a:p>
+          <a:p>
+            <a:pPr lvl="1"/>
+            <a:r>
+              <a:rPr lang="en-CA" dirty="0" smtClean="0"/>
+              <a:t>String[] </a:t>
+            </a:r>
+            <a:r>
+              <a:rPr lang="en-CA" dirty="0" err="1" smtClean="0"/>
+              <a:t>getTriggeredContentAuthorities</a:t>
+            </a:r>
+            <a:r>
+              <a:rPr lang="en-CA" dirty="0" smtClean="0"/>
+              <a:t>() – return a string array of content authorities that have triggered the job.</a:t>
+            </a:r>
+            <a:endParaRPr lang="en-CA" dirty="0"/>
+          </a:p>
+        </p:txBody>
+      </p:sp>
+      <p:sp>
+        <p:nvSpPr>
+          <p:cNvPr id="4" name="TextBox 3"/>
+          <p:cNvSpPr txBox="1"/>
+          <p:nvPr/>
+        </p:nvSpPr>
+        <p:spPr>
+          <a:xfrm>
+            <a:off x="-1" y="6470073"/>
+            <a:ext cx="7994073" cy="369332"/>
+          </a:xfrm>
+          <a:prstGeom prst="rect">
+            <a:avLst/>
+          </a:prstGeom>
+          <a:noFill/>
+        </p:spPr>
+        <p:txBody>
+          <a:bodyPr wrap="square" rtlCol="0">
+            <a:spAutoFit/>
+          </a:bodyPr>
+          <a:lstStyle/>
+          <a:p>
+            <a:r>
+              <a:rPr lang="en-CA" dirty="0">
+                <a:hlinkClick r:id="rId2"/>
+              </a:rPr>
+              <a:t>https://developer.android.com/topic/performance/background-optimization</a:t>
+            </a:r>
+            <a:endParaRPr lang="en-CA" dirty="0"/>
+          </a:p>
+        </p:txBody>
+      </p:sp>
+      <p:pic>
+        <p:nvPicPr>
+          <p:cNvPr id="5" name="Picture 4"/>
+          <p:cNvPicPr>
+            <a:picLocks noChangeAspect="1"/>
+          </p:cNvPicPr>
+          <p:nvPr/>
+        </p:nvPicPr>
+        <p:blipFill>
+          <a:blip r:embed="rId3"/>
+          <a:stretch>
+            <a:fillRect/>
+          </a:stretch>
+        </p:blipFill>
+        <p:spPr>
+          <a:xfrm>
+            <a:off x="7696200" y="1271588"/>
+            <a:ext cx="4495800" cy="4905375"/>
+          </a:xfrm>
+          <a:prstGeom prst="rect">
+            <a:avLst/>
+          </a:prstGeom>
+        </p:spPr>
+      </p:pic>
+      <p:sp>
+        <p:nvSpPr>
+          <p:cNvPr id="6" name="TextBox 5"/>
+          <p:cNvSpPr txBox="1"/>
+          <p:nvPr/>
+        </p:nvSpPr>
+        <p:spPr>
+          <a:xfrm>
+            <a:off x="7426036" y="5925278"/>
+            <a:ext cx="4765964" cy="923330"/>
+          </a:xfrm>
+          <a:prstGeom prst="rect">
+            <a:avLst/>
+          </a:prstGeom>
+          <a:noFill/>
+        </p:spPr>
+        <p:txBody>
+          <a:bodyPr wrap="square" rtlCol="0">
+            <a:spAutoFit/>
+          </a:bodyPr>
+          <a:lstStyle/>
+          <a:p>
+            <a:r>
+              <a:rPr lang="en-CA" dirty="0" smtClean="0"/>
+              <a:t>Example: override </a:t>
+            </a:r>
+            <a:r>
+              <a:rPr lang="en-CA" dirty="0" err="1" smtClean="0"/>
+              <a:t>JobService.onStartJob</a:t>
+            </a:r>
+            <a:r>
+              <a:rPr lang="en-CA" dirty="0" smtClean="0"/>
+              <a:t>() and record content authorities and URIs that have triggered the job</a:t>
+            </a:r>
+            <a:endParaRPr lang="en-CA" dirty="0"/>
+          </a:p>
+        </p:txBody>
+      </p:sp>
+    </p:spTree>
+    <p:extLst>
+      <p:ext uri="{BB962C8B-B14F-4D97-AF65-F5344CB8AC3E}">
+        <p14:creationId xmlns:p14="http://schemas.microsoft.com/office/powerpoint/2010/main" val="962812862"/>
+      </p:ext>
+    </p:extLst>
+  </p:cSld>
+  <p:clrMapOvr>
+    <a:masterClrMapping/>
+  </p:clrMapOvr>
+</p:sld>
+</file>
+
+<file path=ppt/slides/slide26.xml><?xml version="1.0" encoding="utf-8"?>
+<p:sld xmlns:a="http://schemas.openxmlformats.org/drawingml/2006/main" xmlns:r="http://schemas.openxmlformats.org/officeDocument/2006/relationships" xmlns:p="http://schemas.openxmlformats.org/presentationml/2006/main">
+  <p:cSld>
+    <p:spTree>
+      <p:nvGrpSpPr>
+        <p:cNvPr id="1" name=""/>
+        <p:cNvGrpSpPr/>
+        <p:nvPr/>
+      </p:nvGrpSpPr>
+      <p:grpSpPr>
+        <a:xfrm>
+          <a:off x="0" y="0"/>
+          <a:ext cx="0" cy="0"/>
+          <a:chOff x="0" y="0"/>
+          <a:chExt cx="0" cy="0"/>
+        </a:xfrm>
+      </p:grpSpPr>
+      <p:sp>
+        <p:nvSpPr>
+          <p:cNvPr id="2" name="Title 1"/>
+          <p:cNvSpPr>
+            <a:spLocks noGrp="1"/>
+          </p:cNvSpPr>
+          <p:nvPr>
+            <p:ph type="title"/>
+          </p:nvPr>
+        </p:nvSpPr>
+        <p:spPr/>
+        <p:txBody>
+          <a:bodyPr/>
+          <a:lstStyle/>
+          <a:p>
+            <a:r>
+              <a:rPr lang="en-CA" dirty="0" smtClean="0"/>
+              <a:t>Further optimizations:</a:t>
+            </a:r>
+            <a:endParaRPr lang="en-CA" dirty="0"/>
+          </a:p>
+        </p:txBody>
+      </p:sp>
+      <p:sp>
+        <p:nvSpPr>
+          <p:cNvPr id="3" name="Content Placeholder 2"/>
+          <p:cNvSpPr>
+            <a:spLocks noGrp="1"/>
+          </p:cNvSpPr>
+          <p:nvPr>
+            <p:ph idx="1"/>
+          </p:nvPr>
+        </p:nvSpPr>
+        <p:spPr/>
+        <p:txBody>
+          <a:bodyPr/>
+          <a:lstStyle/>
+          <a:p>
+            <a:r>
+              <a:rPr lang="en-CA" dirty="0" smtClean="0"/>
+              <a:t>Optimizing your app to run </a:t>
+            </a:r>
+            <a:r>
+              <a:rPr lang="en-CA" dirty="0" smtClean="0"/>
+              <a:t>on low memory devices and conditions can improve performance and user experience. </a:t>
+            </a:r>
+          </a:p>
+          <a:p>
+            <a:r>
+              <a:rPr lang="en-CA" dirty="0" smtClean="0"/>
+              <a:t>Remove dependencies on background services and manifest-registered implicit broadcast receivers, if possible, optimize your app to run without background processes entirely </a:t>
+            </a:r>
+          </a:p>
+          <a:p>
+            <a:r>
+              <a:rPr lang="en-CA" dirty="0" smtClean="0"/>
+              <a:t>Can simulate conditions where implicit broadcasts and background services are unavailable in the android debug bridge (ADB):</a:t>
+            </a:r>
+          </a:p>
+          <a:p>
+            <a:endParaRPr lang="en-CA" dirty="0"/>
+          </a:p>
+        </p:txBody>
+      </p:sp>
+      <p:sp>
+        <p:nvSpPr>
+          <p:cNvPr id="4" name="TextBox 3"/>
+          <p:cNvSpPr txBox="1"/>
+          <p:nvPr/>
+        </p:nvSpPr>
+        <p:spPr>
+          <a:xfrm>
+            <a:off x="-1" y="6470073"/>
+            <a:ext cx="7994073" cy="369332"/>
+          </a:xfrm>
+          <a:prstGeom prst="rect">
+            <a:avLst/>
+          </a:prstGeom>
+          <a:noFill/>
+        </p:spPr>
+        <p:txBody>
+          <a:bodyPr wrap="square" rtlCol="0">
+            <a:spAutoFit/>
+          </a:bodyPr>
+          <a:lstStyle/>
+          <a:p>
+            <a:r>
+              <a:rPr lang="en-CA" dirty="0">
+                <a:hlinkClick r:id="rId2"/>
+              </a:rPr>
+              <a:t>https://developer.android.com/topic/performance/background-optimization</a:t>
+            </a:r>
+            <a:endParaRPr lang="en-CA" dirty="0"/>
+          </a:p>
+        </p:txBody>
+      </p:sp>
+      <p:pic>
+        <p:nvPicPr>
+          <p:cNvPr id="7" name="Picture 6"/>
+          <p:cNvPicPr>
+            <a:picLocks noChangeAspect="1"/>
+          </p:cNvPicPr>
+          <p:nvPr/>
+        </p:nvPicPr>
+        <p:blipFill>
+          <a:blip r:embed="rId3"/>
+          <a:stretch>
+            <a:fillRect/>
+          </a:stretch>
+        </p:blipFill>
+        <p:spPr>
+          <a:xfrm>
+            <a:off x="982807" y="5025737"/>
+            <a:ext cx="4933950" cy="381000"/>
+          </a:xfrm>
+          <a:prstGeom prst="rect">
+            <a:avLst/>
+          </a:prstGeom>
+        </p:spPr>
+      </p:pic>
+      <p:pic>
+        <p:nvPicPr>
+          <p:cNvPr id="8" name="Picture 7"/>
+          <p:cNvPicPr>
+            <a:picLocks noChangeAspect="1"/>
+          </p:cNvPicPr>
+          <p:nvPr/>
+        </p:nvPicPr>
+        <p:blipFill>
+          <a:blip r:embed="rId4"/>
+          <a:stretch>
+            <a:fillRect/>
+          </a:stretch>
+        </p:blipFill>
+        <p:spPr>
+          <a:xfrm>
+            <a:off x="1059007" y="5620400"/>
+            <a:ext cx="4781550" cy="342900"/>
+          </a:xfrm>
+          <a:prstGeom prst="rect">
+            <a:avLst/>
+          </a:prstGeom>
+        </p:spPr>
+      </p:pic>
+      <p:sp>
+        <p:nvSpPr>
+          <p:cNvPr id="9" name="TextBox 8"/>
+          <p:cNvSpPr txBox="1"/>
+          <p:nvPr/>
+        </p:nvSpPr>
+        <p:spPr>
+          <a:xfrm>
+            <a:off x="6096000" y="5037405"/>
+            <a:ext cx="5624945" cy="369332"/>
+          </a:xfrm>
+          <a:prstGeom prst="rect">
+            <a:avLst/>
+          </a:prstGeom>
+          <a:noFill/>
+        </p:spPr>
+        <p:txBody>
+          <a:bodyPr wrap="square" rtlCol="0">
+            <a:spAutoFit/>
+          </a:bodyPr>
+          <a:lstStyle/>
+          <a:p>
+            <a:r>
+              <a:rPr lang="en-CA" dirty="0" smtClean="0"/>
+              <a:t>Disable implicit broadcasts/background services</a:t>
+            </a:r>
+            <a:endParaRPr lang="en-CA" dirty="0"/>
+          </a:p>
+        </p:txBody>
+      </p:sp>
+      <p:sp>
+        <p:nvSpPr>
+          <p:cNvPr id="10" name="TextBox 9"/>
+          <p:cNvSpPr txBox="1"/>
+          <p:nvPr/>
+        </p:nvSpPr>
+        <p:spPr>
+          <a:xfrm>
+            <a:off x="6096000" y="5620400"/>
+            <a:ext cx="5624945" cy="369332"/>
+          </a:xfrm>
+          <a:prstGeom prst="rect">
+            <a:avLst/>
+          </a:prstGeom>
+          <a:noFill/>
+        </p:spPr>
+        <p:txBody>
+          <a:bodyPr wrap="square" rtlCol="0">
+            <a:spAutoFit/>
+          </a:bodyPr>
+          <a:lstStyle/>
+          <a:p>
+            <a:r>
+              <a:rPr lang="en-CA" dirty="0" smtClean="0"/>
+              <a:t>Re-enable</a:t>
+            </a:r>
+            <a:endParaRPr lang="en-CA" dirty="0"/>
+          </a:p>
+        </p:txBody>
+      </p:sp>
+    </p:spTree>
+    <p:extLst>
+      <p:ext uri="{BB962C8B-B14F-4D97-AF65-F5344CB8AC3E}">
+        <p14:creationId xmlns:p14="http://schemas.microsoft.com/office/powerpoint/2010/main" val="2293381727"/>
+      </p:ext>
+    </p:extLst>
+  </p:cSld>
+  <p:clrMapOvr>
+    <a:masterClrMapping/>
+  </p:clrMapOvr>
 </p:sld>
 </file>
 
